--- a/dbcAmplicons/dbcAmplicons_Bioinformatics.pptx
+++ b/dbcAmplicons/dbcAmplicons_Bioinformatics.pptx
@@ -226,7 +226,7 @@
           <a:p>
             <a:fld id="{9CD6A775-991A-0645-B82B-FFA5DDF2BF2F}" type="datetimeFigureOut">
               <a:rPr lang="en-US" smtClean="0"/>
-              <a:t>4/20/19</a:t>
+              <a:t>9/3/19</a:t>
             </a:fld>
             <a:endParaRPr lang="en-US"/>
           </a:p>
@@ -1046,7 +1046,7 @@
           <a:p>
             <a:fld id="{4D20E1A6-ABB0-984B-AF23-C98DB8FB784E}" type="datetimeFigureOut">
               <a:rPr lang="en-US" smtClean="0"/>
-              <a:t>4/20/19</a:t>
+              <a:t>9/3/19</a:t>
             </a:fld>
             <a:endParaRPr lang="en-US"/>
           </a:p>
@@ -1095,7 +1095,6 @@
         </p:txBody>
       </p:sp>
     </p:spTree>
-    <p:extLst/>
   </p:cSld>
   <p:clrMapOvr>
     <a:masterClrMapping/>
@@ -1210,7 +1209,7 @@
           <a:p>
             <a:fld id="{4D20E1A6-ABB0-984B-AF23-C98DB8FB784E}" type="datetimeFigureOut">
               <a:rPr lang="en-US" smtClean="0"/>
-              <a:t>4/20/19</a:t>
+              <a:t>9/3/19</a:t>
             </a:fld>
             <a:endParaRPr lang="en-US"/>
           </a:p>
@@ -1259,7 +1258,6 @@
         </p:txBody>
       </p:sp>
     </p:spTree>
-    <p:extLst/>
   </p:cSld>
   <p:clrMapOvr>
     <a:masterClrMapping/>
@@ -1384,7 +1382,7 @@
           <a:p>
             <a:fld id="{4D20E1A6-ABB0-984B-AF23-C98DB8FB784E}" type="datetimeFigureOut">
               <a:rPr lang="en-US" smtClean="0"/>
-              <a:t>4/20/19</a:t>
+              <a:t>9/3/19</a:t>
             </a:fld>
             <a:endParaRPr lang="en-US"/>
           </a:p>
@@ -1433,7 +1431,6 @@
         </p:txBody>
       </p:sp>
     </p:spTree>
-    <p:extLst/>
   </p:cSld>
   <p:clrMapOvr>
     <a:masterClrMapping/>
@@ -1955,7 +1952,7 @@
           <a:p>
             <a:fld id="{4D20E1A6-ABB0-984B-AF23-C98DB8FB784E}" type="datetimeFigureOut">
               <a:rPr lang="en-US" smtClean="0"/>
-              <a:t>4/20/19</a:t>
+              <a:t>9/3/19</a:t>
             </a:fld>
             <a:endParaRPr lang="en-US"/>
           </a:p>
@@ -2004,7 +2001,6 @@
         </p:txBody>
       </p:sp>
     </p:spTree>
-    <p:extLst/>
   </p:cSld>
   <p:clrMapOvr>
     <a:masterClrMapping/>
@@ -2196,7 +2192,7 @@
           <a:p>
             <a:fld id="{4D20E1A6-ABB0-984B-AF23-C98DB8FB784E}" type="datetimeFigureOut">
               <a:rPr lang="en-US" smtClean="0"/>
-              <a:t>4/20/19</a:t>
+              <a:t>9/3/19</a:t>
             </a:fld>
             <a:endParaRPr lang="en-US"/>
           </a:p>
@@ -2245,7 +2241,6 @@
         </p:txBody>
       </p:sp>
     </p:spTree>
-    <p:extLst/>
   </p:cSld>
   <p:clrMapOvr>
     <a:masterClrMapping/>
@@ -2421,7 +2416,7 @@
           <a:p>
             <a:fld id="{4D20E1A6-ABB0-984B-AF23-C98DB8FB784E}" type="datetimeFigureOut">
               <a:rPr lang="en-US" smtClean="0"/>
-              <a:t>4/20/19</a:t>
+              <a:t>9/3/19</a:t>
             </a:fld>
             <a:endParaRPr lang="en-US"/>
           </a:p>
@@ -2470,7 +2465,6 @@
         </p:txBody>
       </p:sp>
     </p:spTree>
-    <p:extLst/>
   </p:cSld>
   <p:clrMapOvr>
     <a:masterClrMapping/>
@@ -2781,7 +2775,7 @@
           <a:p>
             <a:fld id="{4D20E1A6-ABB0-984B-AF23-C98DB8FB784E}" type="datetimeFigureOut">
               <a:rPr lang="en-US" smtClean="0"/>
-              <a:t>4/20/19</a:t>
+              <a:t>9/3/19</a:t>
             </a:fld>
             <a:endParaRPr lang="en-US"/>
           </a:p>
@@ -2830,7 +2824,6 @@
         </p:txBody>
       </p:sp>
     </p:spTree>
-    <p:extLst/>
   </p:cSld>
   <p:clrMapOvr>
     <a:masterClrMapping/>
@@ -2894,7 +2887,7 @@
           <a:p>
             <a:fld id="{4D20E1A6-ABB0-984B-AF23-C98DB8FB784E}" type="datetimeFigureOut">
               <a:rPr lang="en-US" smtClean="0"/>
-              <a:t>4/20/19</a:t>
+              <a:t>9/3/19</a:t>
             </a:fld>
             <a:endParaRPr lang="en-US"/>
           </a:p>
@@ -2943,7 +2936,6 @@
         </p:txBody>
       </p:sp>
     </p:spTree>
-    <p:extLst/>
   </p:cSld>
   <p:clrMapOvr>
     <a:masterClrMapping/>
@@ -2985,7 +2977,7 @@
           <a:p>
             <a:fld id="{4D20E1A6-ABB0-984B-AF23-C98DB8FB784E}" type="datetimeFigureOut">
               <a:rPr lang="en-US" smtClean="0"/>
-              <a:t>4/20/19</a:t>
+              <a:t>9/3/19</a:t>
             </a:fld>
             <a:endParaRPr lang="en-US"/>
           </a:p>
@@ -3034,7 +3026,6 @@
         </p:txBody>
       </p:sp>
     </p:spTree>
-    <p:extLst/>
   </p:cSld>
   <p:clrMapOvr>
     <a:masterClrMapping/>
@@ -3256,7 +3247,7 @@
           <a:p>
             <a:fld id="{4D20E1A6-ABB0-984B-AF23-C98DB8FB784E}" type="datetimeFigureOut">
               <a:rPr lang="en-US" smtClean="0"/>
-              <a:t>4/20/19</a:t>
+              <a:t>9/3/19</a:t>
             </a:fld>
             <a:endParaRPr lang="en-US"/>
           </a:p>
@@ -3305,7 +3296,6 @@
         </p:txBody>
       </p:sp>
     </p:spTree>
-    <p:extLst/>
   </p:cSld>
   <p:clrMapOvr>
     <a:masterClrMapping/>
@@ -3507,7 +3497,7 @@
           <a:p>
             <a:fld id="{4D20E1A6-ABB0-984B-AF23-C98DB8FB784E}" type="datetimeFigureOut">
               <a:rPr lang="en-US" smtClean="0"/>
-              <a:t>4/20/19</a:t>
+              <a:t>9/3/19</a:t>
             </a:fld>
             <a:endParaRPr lang="en-US"/>
           </a:p>
@@ -3556,7 +3546,6 @@
         </p:txBody>
       </p:sp>
     </p:spTree>
-    <p:extLst/>
   </p:cSld>
   <p:clrMapOvr>
     <a:masterClrMapping/>
@@ -3715,7 +3704,7 @@
           <a:p>
             <a:fld id="{4D20E1A6-ABB0-984B-AF23-C98DB8FB784E}" type="datetimeFigureOut">
               <a:rPr lang="en-US" smtClean="0"/>
-              <a:t>4/20/19</a:t>
+              <a:t>9/3/19</a:t>
             </a:fld>
             <a:endParaRPr lang="en-US"/>
           </a:p>
@@ -4789,7 +4778,7 @@
         </p:nvSpPr>
         <p:spPr>
           <a:xfrm>
-            <a:off x="3192657" y="5658355"/>
+            <a:off x="3192657" y="5775585"/>
             <a:ext cx="3879075" cy="412341"/>
           </a:xfrm>
           <a:prstGeom prst="rect">
@@ -5119,7 +5108,7 @@
           <p:nvPr>
             <p:extLst>
               <p:ext uri="{D42A27DB-BD31-4B8C-83A1-F6EECF244321}">
-                <p14:modId xmlns:p14="http://schemas.microsoft.com/office/powerpoint/2010/main" val="1022304171"/>
+                <p14:modId xmlns:p14="http://schemas.microsoft.com/office/powerpoint/2010/main" val="1879569991"/>
               </p:ext>
             </p:extLst>
           </p:nvPr>
@@ -5543,9 +5532,7 @@
           <p:cNvGraphicFramePr>
             <a:graphicFrameLocks noGrp="1"/>
           </p:cNvGraphicFramePr>
-          <p:nvPr>
-            <p:extLst/>
-          </p:nvPr>
+          <p:nvPr/>
         </p:nvGraphicFramePr>
         <p:xfrm>
           <a:off x="2581276" y="2903735"/>
@@ -5790,9 +5777,7 @@
           <p:cNvGraphicFramePr>
             <a:graphicFrameLocks noGrp="1"/>
           </p:cNvGraphicFramePr>
-          <p:nvPr>
-            <p:extLst/>
-          </p:nvPr>
+          <p:nvPr/>
         </p:nvGraphicFramePr>
         <p:xfrm>
           <a:off x="2581276" y="4970964"/>
@@ -6365,7 +6350,12 @@
             <p:ph type="title"/>
           </p:nvPr>
         </p:nvSpPr>
-        <p:spPr/>
+        <p:spPr>
+          <a:xfrm>
+            <a:off x="849923" y="365125"/>
+            <a:ext cx="10515600" cy="1325563"/>
+          </a:xfrm>
+        </p:spPr>
         <p:txBody>
           <a:bodyPr/>
           <a:lstStyle/>
@@ -6373,424 +6363,6 @@
             <a:r>
               <a:rPr lang="en-US" dirty="0"/>
               <a:t>Barcode/Primer Comparison</a:t>
-            </a:r>
-          </a:p>
-        </p:txBody>
-      </p:sp>
-      <p:sp>
-        <p:nvSpPr>
-          <p:cNvPr id="3" name="TextBox 2"/>
-          <p:cNvSpPr txBox="1"/>
-          <p:nvPr/>
-        </p:nvSpPr>
-        <p:spPr>
-          <a:xfrm>
-            <a:off x="1127636" y="2596348"/>
-            <a:ext cx="1098758" cy="338554"/>
-          </a:xfrm>
-          <a:prstGeom prst="rect">
-            <a:avLst/>
-          </a:prstGeom>
-          <a:noFill/>
-        </p:spPr>
-        <p:txBody>
-          <a:bodyPr wrap="square" rtlCol="0">
-            <a:spAutoFit/>
-          </a:bodyPr>
-          <a:lstStyle/>
-          <a:p>
-            <a:r>
-              <a:rPr lang="en-US" sz="1600" dirty="0"/>
-              <a:t>ACTGACTG</a:t>
-            </a:r>
-          </a:p>
-        </p:txBody>
-      </p:sp>
-      <p:sp>
-        <p:nvSpPr>
-          <p:cNvPr id="4" name="TextBox 3"/>
-          <p:cNvSpPr txBox="1"/>
-          <p:nvPr/>
-        </p:nvSpPr>
-        <p:spPr>
-          <a:xfrm>
-            <a:off x="1127636" y="3143850"/>
-            <a:ext cx="1098758" cy="338554"/>
-          </a:xfrm>
-          <a:prstGeom prst="rect">
-            <a:avLst/>
-          </a:prstGeom>
-          <a:noFill/>
-        </p:spPr>
-        <p:txBody>
-          <a:bodyPr wrap="square" rtlCol="0">
-            <a:spAutoFit/>
-          </a:bodyPr>
-          <a:lstStyle/>
-          <a:p>
-            <a:r>
-              <a:rPr lang="en-US" sz="1600" dirty="0"/>
-              <a:t>GTCAGCTA</a:t>
-            </a:r>
-          </a:p>
-        </p:txBody>
-      </p:sp>
-      <p:sp>
-        <p:nvSpPr>
-          <p:cNvPr id="5" name="TextBox 4"/>
-          <p:cNvSpPr txBox="1"/>
-          <p:nvPr/>
-        </p:nvSpPr>
-        <p:spPr>
-          <a:xfrm>
-            <a:off x="1127636" y="3773187"/>
-            <a:ext cx="1098758" cy="338554"/>
-          </a:xfrm>
-          <a:prstGeom prst="rect">
-            <a:avLst/>
-          </a:prstGeom>
-          <a:noFill/>
-        </p:spPr>
-        <p:txBody>
-          <a:bodyPr wrap="square" rtlCol="0">
-            <a:spAutoFit/>
-          </a:bodyPr>
-          <a:lstStyle/>
-          <a:p>
-            <a:r>
-              <a:rPr lang="en-US" sz="1600" dirty="0"/>
-              <a:t>TCAGTCAG</a:t>
-            </a:r>
-          </a:p>
-        </p:txBody>
-      </p:sp>
-      <p:sp>
-        <p:nvSpPr>
-          <p:cNvPr id="6" name="TextBox 5"/>
-          <p:cNvSpPr txBox="1"/>
-          <p:nvPr/>
-        </p:nvSpPr>
-        <p:spPr>
-          <a:xfrm>
-            <a:off x="1127636" y="4383230"/>
-            <a:ext cx="1098758" cy="338554"/>
-          </a:xfrm>
-          <a:prstGeom prst="rect">
-            <a:avLst/>
-          </a:prstGeom>
-          <a:noFill/>
-        </p:spPr>
-        <p:txBody>
-          <a:bodyPr wrap="square" rtlCol="0">
-            <a:spAutoFit/>
-          </a:bodyPr>
-          <a:lstStyle/>
-          <a:p>
-            <a:r>
-              <a:rPr lang="en-US" sz="1600" dirty="0"/>
-              <a:t>CGTACGTA</a:t>
-            </a:r>
-          </a:p>
-        </p:txBody>
-      </p:sp>
-      <p:sp>
-        <p:nvSpPr>
-          <p:cNvPr id="7" name="TextBox 6"/>
-          <p:cNvSpPr txBox="1"/>
-          <p:nvPr/>
-        </p:nvSpPr>
-        <p:spPr>
-          <a:xfrm>
-            <a:off x="3511345" y="3459235"/>
-            <a:ext cx="1165123" cy="338554"/>
-          </a:xfrm>
-          <a:prstGeom prst="rect">
-            <a:avLst/>
-          </a:prstGeom>
-          <a:noFill/>
-        </p:spPr>
-        <p:txBody>
-          <a:bodyPr wrap="square" rtlCol="0">
-            <a:spAutoFit/>
-          </a:bodyPr>
-          <a:lstStyle/>
-          <a:p>
-            <a:r>
-              <a:rPr lang="en-US" sz="1600" dirty="0">
-                <a:solidFill>
-                  <a:srgbClr val="0070C0"/>
-                </a:solidFill>
-              </a:rPr>
-              <a:t>ACTTACTG</a:t>
-            </a:r>
-          </a:p>
-        </p:txBody>
-      </p:sp>
-      <p:cxnSp>
-        <p:nvCxnSpPr>
-          <p:cNvPr id="9" name="Straight Connector 8"/>
-          <p:cNvCxnSpPr>
-            <a:stCxn id="7" idx="1"/>
-            <a:endCxn id="6" idx="3"/>
-          </p:cNvCxnSpPr>
-          <p:nvPr/>
-        </p:nvCxnSpPr>
-        <p:spPr>
-          <a:xfrm flipH="1">
-            <a:off x="2226394" y="3628512"/>
-            <a:ext cx="1284951" cy="923995"/>
-          </a:xfrm>
-          <a:prstGeom prst="line">
-            <a:avLst/>
-          </a:prstGeom>
-        </p:spPr>
-        <p:style>
-          <a:lnRef idx="1">
-            <a:schemeClr val="accent1"/>
-          </a:lnRef>
-          <a:fillRef idx="0">
-            <a:schemeClr val="accent1"/>
-          </a:fillRef>
-          <a:effectRef idx="0">
-            <a:schemeClr val="accent1"/>
-          </a:effectRef>
-          <a:fontRef idx="minor">
-            <a:schemeClr val="tx1"/>
-          </a:fontRef>
-        </p:style>
-      </p:cxnSp>
-      <p:cxnSp>
-        <p:nvCxnSpPr>
-          <p:cNvPr id="13" name="Straight Connector 12"/>
-          <p:cNvCxnSpPr>
-            <a:stCxn id="7" idx="1"/>
-            <a:endCxn id="5" idx="3"/>
-          </p:cNvCxnSpPr>
-          <p:nvPr/>
-        </p:nvCxnSpPr>
-        <p:spPr>
-          <a:xfrm flipH="1">
-            <a:off x="2226394" y="3628512"/>
-            <a:ext cx="1284951" cy="313952"/>
-          </a:xfrm>
-          <a:prstGeom prst="line">
-            <a:avLst/>
-          </a:prstGeom>
-        </p:spPr>
-        <p:style>
-          <a:lnRef idx="1">
-            <a:schemeClr val="accent1"/>
-          </a:lnRef>
-          <a:fillRef idx="0">
-            <a:schemeClr val="accent1"/>
-          </a:fillRef>
-          <a:effectRef idx="0">
-            <a:schemeClr val="accent1"/>
-          </a:effectRef>
-          <a:fontRef idx="minor">
-            <a:schemeClr val="tx1"/>
-          </a:fontRef>
-        </p:style>
-      </p:cxnSp>
-      <p:cxnSp>
-        <p:nvCxnSpPr>
-          <p:cNvPr id="16" name="Straight Connector 15"/>
-          <p:cNvCxnSpPr>
-            <a:stCxn id="4" idx="3"/>
-            <a:endCxn id="7" idx="1"/>
-          </p:cNvCxnSpPr>
-          <p:nvPr/>
-        </p:nvCxnSpPr>
-        <p:spPr>
-          <a:xfrm>
-            <a:off x="2226394" y="3313127"/>
-            <a:ext cx="1284951" cy="315385"/>
-          </a:xfrm>
-          <a:prstGeom prst="line">
-            <a:avLst/>
-          </a:prstGeom>
-        </p:spPr>
-        <p:style>
-          <a:lnRef idx="1">
-            <a:schemeClr val="accent1"/>
-          </a:lnRef>
-          <a:fillRef idx="0">
-            <a:schemeClr val="accent1"/>
-          </a:fillRef>
-          <a:effectRef idx="0">
-            <a:schemeClr val="accent1"/>
-          </a:effectRef>
-          <a:fontRef idx="minor">
-            <a:schemeClr val="tx1"/>
-          </a:fontRef>
-        </p:style>
-      </p:cxnSp>
-      <p:cxnSp>
-        <p:nvCxnSpPr>
-          <p:cNvPr id="19" name="Straight Connector 18"/>
-          <p:cNvCxnSpPr>
-            <a:stCxn id="7" idx="1"/>
-            <a:endCxn id="3" idx="3"/>
-          </p:cNvCxnSpPr>
-          <p:nvPr/>
-        </p:nvCxnSpPr>
-        <p:spPr>
-          <a:xfrm flipH="1" flipV="1">
-            <a:off x="2226394" y="2765625"/>
-            <a:ext cx="1284951" cy="862887"/>
-          </a:xfrm>
-          <a:prstGeom prst="line">
-            <a:avLst/>
-          </a:prstGeom>
-        </p:spPr>
-        <p:style>
-          <a:lnRef idx="1">
-            <a:schemeClr val="accent1"/>
-          </a:lnRef>
-          <a:fillRef idx="0">
-            <a:schemeClr val="accent1"/>
-          </a:fillRef>
-          <a:effectRef idx="0">
-            <a:schemeClr val="accent1"/>
-          </a:effectRef>
-          <a:fontRef idx="minor">
-            <a:schemeClr val="tx1"/>
-          </a:fontRef>
-        </p:style>
-      </p:cxnSp>
-      <p:sp>
-        <p:nvSpPr>
-          <p:cNvPr id="22" name="TextBox 21"/>
-          <p:cNvSpPr txBox="1"/>
-          <p:nvPr/>
-        </p:nvSpPr>
-        <p:spPr>
-          <a:xfrm>
-            <a:off x="1525844" y="2814464"/>
-            <a:ext cx="302342" cy="338554"/>
-          </a:xfrm>
-          <a:prstGeom prst="rect">
-            <a:avLst/>
-          </a:prstGeom>
-          <a:noFill/>
-        </p:spPr>
-        <p:txBody>
-          <a:bodyPr wrap="square" rtlCol="0">
-            <a:spAutoFit/>
-          </a:bodyPr>
-          <a:lstStyle/>
-          <a:p>
-            <a:r>
-              <a:rPr lang="en-US" sz="1600" dirty="0">
-                <a:solidFill>
-                  <a:schemeClr val="accent1"/>
-                </a:solidFill>
-              </a:rPr>
-              <a:t>1</a:t>
-            </a:r>
-          </a:p>
-        </p:txBody>
-      </p:sp>
-      <p:sp>
-        <p:nvSpPr>
-          <p:cNvPr id="23" name="TextBox 22"/>
-          <p:cNvSpPr txBox="1"/>
-          <p:nvPr/>
-        </p:nvSpPr>
-        <p:spPr>
-          <a:xfrm>
-            <a:off x="1525844" y="3336946"/>
-            <a:ext cx="302342" cy="338554"/>
-          </a:xfrm>
-          <a:prstGeom prst="rect">
-            <a:avLst/>
-          </a:prstGeom>
-          <a:noFill/>
-        </p:spPr>
-        <p:txBody>
-          <a:bodyPr wrap="square" rtlCol="0">
-            <a:spAutoFit/>
-          </a:bodyPr>
-          <a:lstStyle/>
-          <a:p>
-            <a:r>
-              <a:rPr lang="en-US" sz="1600" dirty="0">
-                <a:solidFill>
-                  <a:srgbClr val="FF0000"/>
-                </a:solidFill>
-              </a:rPr>
-              <a:t>6</a:t>
-            </a:r>
-          </a:p>
-        </p:txBody>
-      </p:sp>
-      <p:sp>
-        <p:nvSpPr>
-          <p:cNvPr id="24" name="TextBox 23"/>
-          <p:cNvSpPr txBox="1"/>
-          <p:nvPr/>
-        </p:nvSpPr>
-        <p:spPr>
-          <a:xfrm>
-            <a:off x="1525844" y="4608745"/>
-            <a:ext cx="302342" cy="338554"/>
-          </a:xfrm>
-          <a:prstGeom prst="rect">
-            <a:avLst/>
-          </a:prstGeom>
-          <a:noFill/>
-        </p:spPr>
-        <p:txBody>
-          <a:bodyPr wrap="square" rtlCol="0">
-            <a:spAutoFit/>
-          </a:bodyPr>
-          <a:lstStyle/>
-          <a:p>
-            <a:r>
-              <a:rPr lang="en-US" sz="1600" dirty="0">
-                <a:solidFill>
-                  <a:srgbClr val="FF0000"/>
-                </a:solidFill>
-              </a:rPr>
-              <a:t>6</a:t>
-            </a:r>
-            <a:endParaRPr lang="en-US" sz="900" dirty="0">
-              <a:solidFill>
-                <a:srgbClr val="FF0000"/>
-              </a:solidFill>
-            </a:endParaRPr>
-          </a:p>
-        </p:txBody>
-      </p:sp>
-      <p:sp>
-        <p:nvSpPr>
-          <p:cNvPr id="25" name="TextBox 24"/>
-          <p:cNvSpPr txBox="1"/>
-          <p:nvPr/>
-        </p:nvSpPr>
-        <p:spPr>
-          <a:xfrm flipH="1">
-            <a:off x="1520976" y="3980992"/>
-            <a:ext cx="251905" cy="338554"/>
-          </a:xfrm>
-          <a:prstGeom prst="rect">
-            <a:avLst/>
-          </a:prstGeom>
-          <a:noFill/>
-        </p:spPr>
-        <p:txBody>
-          <a:bodyPr wrap="square" rtlCol="0">
-            <a:spAutoFit/>
-          </a:bodyPr>
-          <a:lstStyle/>
-          <a:p>
-            <a:r>
-              <a:rPr lang="en-US" sz="1600" dirty="0">
-                <a:solidFill>
-                  <a:srgbClr val="FF0000"/>
-                </a:solidFill>
-              </a:rPr>
-              <a:t>5</a:t>
             </a:r>
           </a:p>
         </p:txBody>
@@ -6834,298 +6406,6 @@
       </p:sp>
       <p:sp>
         <p:nvSpPr>
-          <p:cNvPr id="27" name="TextBox 26"/>
-          <p:cNvSpPr txBox="1"/>
-          <p:nvPr/>
-        </p:nvSpPr>
-        <p:spPr>
-          <a:xfrm>
-            <a:off x="1018867" y="1845167"/>
-            <a:ext cx="2529349" cy="400110"/>
-          </a:xfrm>
-          <a:prstGeom prst="rect">
-            <a:avLst/>
-          </a:prstGeom>
-          <a:noFill/>
-        </p:spPr>
-        <p:txBody>
-          <a:bodyPr wrap="square" rtlCol="0">
-            <a:spAutoFit/>
-          </a:bodyPr>
-          <a:lstStyle/>
-          <a:p>
-            <a:r>
-              <a:rPr lang="en-US" sz="2000" b="1" dirty="0"/>
-              <a:t>Barcode Comparison</a:t>
-            </a:r>
-          </a:p>
-        </p:txBody>
-      </p:sp>
-      <p:sp>
-        <p:nvSpPr>
-          <p:cNvPr id="28" name="TextBox 27"/>
-          <p:cNvSpPr txBox="1"/>
-          <p:nvPr/>
-        </p:nvSpPr>
-        <p:spPr>
-          <a:xfrm>
-            <a:off x="5207408" y="1840315"/>
-            <a:ext cx="2423112" cy="400110"/>
-          </a:xfrm>
-          <a:prstGeom prst="rect">
-            <a:avLst/>
-          </a:prstGeom>
-          <a:noFill/>
-        </p:spPr>
-        <p:txBody>
-          <a:bodyPr wrap="square" rtlCol="0">
-            <a:spAutoFit/>
-          </a:bodyPr>
-          <a:lstStyle/>
-          <a:p>
-            <a:r>
-              <a:rPr lang="en-US" sz="2000" b="1" dirty="0"/>
-              <a:t>Primer Comparison</a:t>
-            </a:r>
-            <a:endParaRPr lang="en-US" sz="1600" b="1" dirty="0"/>
-          </a:p>
-        </p:txBody>
-      </p:sp>
-      <p:sp>
-        <p:nvSpPr>
-          <p:cNvPr id="29" name="Rectangle 28"/>
-          <p:cNvSpPr/>
-          <p:nvPr/>
-        </p:nvSpPr>
-        <p:spPr>
-          <a:xfrm>
-            <a:off x="5207408" y="2480461"/>
-            <a:ext cx="3146125" cy="338554"/>
-          </a:xfrm>
-          <a:prstGeom prst="rect">
-            <a:avLst/>
-          </a:prstGeom>
-        </p:spPr>
-        <p:txBody>
-          <a:bodyPr wrap="square">
-            <a:spAutoFit/>
-          </a:bodyPr>
-          <a:lstStyle/>
-          <a:p>
-            <a:r>
-              <a:rPr lang="en-US" sz="1600" dirty="0"/>
-              <a:t>GGCTTGGTCATTTAGAGGAA</a:t>
-            </a:r>
-            <a:r>
-              <a:rPr lang="en-US" sz="1600" dirty="0">
-                <a:solidFill>
-                  <a:schemeClr val="accent6">
-                    <a:lumMod val="75000"/>
-                  </a:schemeClr>
-                </a:solidFill>
-              </a:rPr>
-              <a:t>GTAA</a:t>
-            </a:r>
-          </a:p>
-        </p:txBody>
-      </p:sp>
-      <p:sp>
-        <p:nvSpPr>
-          <p:cNvPr id="30" name="TextBox 29"/>
-          <p:cNvSpPr txBox="1"/>
-          <p:nvPr/>
-        </p:nvSpPr>
-        <p:spPr>
-          <a:xfrm>
-            <a:off x="5203409" y="3551980"/>
-            <a:ext cx="3277373" cy="338554"/>
-          </a:xfrm>
-          <a:prstGeom prst="rect">
-            <a:avLst/>
-          </a:prstGeom>
-          <a:noFill/>
-        </p:spPr>
-        <p:txBody>
-          <a:bodyPr wrap="square" rtlCol="0">
-            <a:spAutoFit/>
-          </a:bodyPr>
-          <a:lstStyle/>
-          <a:p>
-            <a:r>
-              <a:rPr lang="en-US" sz="1600" dirty="0"/>
-              <a:t>CGGCTTGGTCATTTAGAGGAA</a:t>
-            </a:r>
-            <a:r>
-              <a:rPr lang="en-US" sz="1600" dirty="0">
-                <a:solidFill>
-                  <a:schemeClr val="accent6">
-                    <a:lumMod val="75000"/>
-                  </a:schemeClr>
-                </a:solidFill>
-              </a:rPr>
-              <a:t>GTAA</a:t>
-            </a:r>
-          </a:p>
-        </p:txBody>
-      </p:sp>
-      <p:sp>
-        <p:nvSpPr>
-          <p:cNvPr id="31" name="Rectangle 30"/>
-          <p:cNvSpPr/>
-          <p:nvPr/>
-        </p:nvSpPr>
-        <p:spPr>
-          <a:xfrm>
-            <a:off x="5207408" y="4123598"/>
-            <a:ext cx="3277372" cy="338554"/>
-          </a:xfrm>
-          <a:prstGeom prst="rect">
-            <a:avLst/>
-          </a:prstGeom>
-        </p:spPr>
-        <p:txBody>
-          <a:bodyPr wrap="square">
-            <a:spAutoFit/>
-          </a:bodyPr>
-          <a:lstStyle/>
-          <a:p>
-            <a:r>
-              <a:rPr lang="en-US" sz="1600" dirty="0"/>
-              <a:t>ACGGCTTGGTCATTTAGAGGAA</a:t>
-            </a:r>
-            <a:r>
-              <a:rPr lang="en-US" sz="1600" dirty="0">
-                <a:solidFill>
-                  <a:schemeClr val="accent6">
-                    <a:lumMod val="75000"/>
-                  </a:schemeClr>
-                </a:solidFill>
-              </a:rPr>
-              <a:t>GTAA</a:t>
-            </a:r>
-          </a:p>
-        </p:txBody>
-      </p:sp>
-      <p:sp>
-        <p:nvSpPr>
-          <p:cNvPr id="32" name="Rectangle 31"/>
-          <p:cNvSpPr/>
-          <p:nvPr/>
-        </p:nvSpPr>
-        <p:spPr>
-          <a:xfrm>
-            <a:off x="5194265" y="2991678"/>
-            <a:ext cx="3518266" cy="338554"/>
-          </a:xfrm>
-          <a:prstGeom prst="rect">
-            <a:avLst/>
-          </a:prstGeom>
-        </p:spPr>
-        <p:txBody>
-          <a:bodyPr wrap="square">
-            <a:spAutoFit/>
-          </a:bodyPr>
-          <a:lstStyle/>
-          <a:p>
-            <a:r>
-              <a:rPr lang="en-US" sz="1600" dirty="0"/>
-              <a:t>TACGGCTTGGTCATTTAGAGGAA</a:t>
-            </a:r>
-            <a:r>
-              <a:rPr lang="en-US" sz="1600" dirty="0">
-                <a:solidFill>
-                  <a:schemeClr val="accent6">
-                    <a:lumMod val="75000"/>
-                  </a:schemeClr>
-                </a:solidFill>
-              </a:rPr>
-              <a:t>GTAA</a:t>
-            </a:r>
-          </a:p>
-        </p:txBody>
-      </p:sp>
-      <p:sp>
-        <p:nvSpPr>
-          <p:cNvPr id="33" name="Rectangle 32"/>
-          <p:cNvSpPr/>
-          <p:nvPr/>
-        </p:nvSpPr>
-        <p:spPr>
-          <a:xfrm>
-            <a:off x="5207408" y="4679261"/>
-            <a:ext cx="4307461" cy="338554"/>
-          </a:xfrm>
-          <a:prstGeom prst="rect">
-            <a:avLst/>
-          </a:prstGeom>
-        </p:spPr>
-        <p:txBody>
-          <a:bodyPr wrap="none">
-            <a:spAutoFit/>
-          </a:bodyPr>
-          <a:lstStyle/>
-          <a:p>
-            <a:r>
-              <a:rPr lang="en-US" sz="1600" dirty="0"/>
-              <a:t>TACGG</a:t>
-            </a:r>
-            <a:r>
-              <a:rPr lang="en-US" sz="1600" dirty="0">
-                <a:solidFill>
-                  <a:srgbClr val="FF0000"/>
-                </a:solidFill>
-              </a:rPr>
-              <a:t>A</a:t>
-            </a:r>
-            <a:r>
-              <a:rPr lang="en-US" sz="1600" dirty="0"/>
-              <a:t>CTTG</a:t>
-            </a:r>
-            <a:r>
-              <a:rPr lang="en-US" sz="1600" dirty="0">
-                <a:solidFill>
-                  <a:srgbClr val="FF0000"/>
-                </a:solidFill>
-              </a:rPr>
-              <a:t>_</a:t>
-            </a:r>
-            <a:r>
-              <a:rPr lang="en-US" sz="1600" dirty="0"/>
-              <a:t>TCATTTA</a:t>
-            </a:r>
-            <a:r>
-              <a:rPr lang="en-US" sz="1600" dirty="0">
-                <a:solidFill>
-                  <a:srgbClr val="FF0000"/>
-                </a:solidFill>
-              </a:rPr>
-              <a:t>C</a:t>
-            </a:r>
-            <a:r>
-              <a:rPr lang="en-US" sz="1600" dirty="0"/>
-              <a:t>AGGAA</a:t>
-            </a:r>
-            <a:r>
-              <a:rPr lang="en-US" sz="1600" dirty="0">
-                <a:solidFill>
-                  <a:schemeClr val="accent5"/>
-                </a:solidFill>
-              </a:rPr>
-              <a:t>GTAA</a:t>
-            </a:r>
-            <a:r>
-              <a:rPr lang="en-US" sz="1600" dirty="0">
-                <a:solidFill>
-                  <a:srgbClr val="0070C0"/>
-                </a:solidFill>
-              </a:rPr>
-              <a:t>AAGTCGTAA</a:t>
-            </a:r>
-          </a:p>
-        </p:txBody>
-      </p:sp>
-      <p:sp>
-        <p:nvSpPr>
           <p:cNvPr id="34" name="TextBox 33"/>
           <p:cNvSpPr txBox="1"/>
           <p:nvPr/>
@@ -7193,151 +6473,886 @@
           </a:p>
         </p:txBody>
       </p:sp>
-      <p:sp>
-        <p:nvSpPr>
-          <p:cNvPr id="8" name="TextBox 7"/>
-          <p:cNvSpPr txBox="1"/>
+      <p:grpSp>
+        <p:nvGrpSpPr>
+          <p:cNvPr id="10" name="Group 9">
+            <a:extLst>
+              <a:ext uri="{FF2B5EF4-FFF2-40B4-BE49-F238E27FC236}">
+                <a16:creationId xmlns:a16="http://schemas.microsoft.com/office/drawing/2014/main" id="{555918B0-1AD2-444B-8D9D-A6B28F31DDF8}"/>
+              </a:ext>
+            </a:extLst>
+          </p:cNvPr>
+          <p:cNvGrpSpPr/>
           <p:nvPr/>
-        </p:nvSpPr>
-        <p:spPr>
+        </p:nvGrpSpPr>
+        <p:grpSpPr>
           <a:xfrm>
-            <a:off x="9630187" y="2497539"/>
-            <a:ext cx="1312147" cy="369332"/>
+            <a:off x="838200" y="1840315"/>
+            <a:ext cx="10256532" cy="3218611"/>
+            <a:chOff x="838200" y="1840315"/>
+            <a:chExt cx="10256532" cy="3218611"/>
           </a:xfrm>
-          <a:prstGeom prst="rect">
-            <a:avLst/>
-          </a:prstGeom>
-          <a:noFill/>
-        </p:spPr>
-        <p:txBody>
-          <a:bodyPr wrap="square" rtlCol="0">
-            <a:spAutoFit/>
-          </a:bodyPr>
-          <a:lstStyle/>
-          <a:p>
-            <a:r>
-              <a:rPr lang="en-US" dirty="0"/>
-              <a:t>Primer 1</a:t>
-            </a:r>
-          </a:p>
-        </p:txBody>
-      </p:sp>
-      <p:sp>
-        <p:nvSpPr>
-          <p:cNvPr id="35" name="TextBox 34"/>
-          <p:cNvSpPr txBox="1"/>
-          <p:nvPr/>
-        </p:nvSpPr>
-        <p:spPr>
-          <a:xfrm>
-            <a:off x="9630186" y="3000256"/>
-            <a:ext cx="1312147" cy="369332"/>
-          </a:xfrm>
-          <a:prstGeom prst="rect">
-            <a:avLst/>
-          </a:prstGeom>
-          <a:noFill/>
-        </p:spPr>
-        <p:txBody>
-          <a:bodyPr wrap="square" rtlCol="0">
-            <a:spAutoFit/>
-          </a:bodyPr>
-          <a:lstStyle/>
-          <a:p>
-            <a:r>
-              <a:rPr lang="en-US" dirty="0"/>
-              <a:t>Primer 2</a:t>
-            </a:r>
-          </a:p>
-        </p:txBody>
-      </p:sp>
-      <p:sp>
-        <p:nvSpPr>
-          <p:cNvPr id="36" name="TextBox 35"/>
-          <p:cNvSpPr txBox="1"/>
-          <p:nvPr/>
-        </p:nvSpPr>
-        <p:spPr>
-          <a:xfrm>
-            <a:off x="9631740" y="3549872"/>
-            <a:ext cx="1312147" cy="369332"/>
-          </a:xfrm>
-          <a:prstGeom prst="rect">
-            <a:avLst/>
-          </a:prstGeom>
-          <a:noFill/>
-        </p:spPr>
-        <p:txBody>
-          <a:bodyPr wrap="square" rtlCol="0">
-            <a:spAutoFit/>
-          </a:bodyPr>
-          <a:lstStyle/>
-          <a:p>
-            <a:r>
-              <a:rPr lang="en-US" dirty="0"/>
-              <a:t>Primer 3</a:t>
-            </a:r>
-          </a:p>
-        </p:txBody>
-      </p:sp>
-      <p:sp>
-        <p:nvSpPr>
-          <p:cNvPr id="37" name="TextBox 36"/>
-          <p:cNvSpPr txBox="1"/>
-          <p:nvPr/>
-        </p:nvSpPr>
-        <p:spPr>
-          <a:xfrm>
-            <a:off x="9630186" y="4116267"/>
-            <a:ext cx="1312147" cy="369332"/>
-          </a:xfrm>
-          <a:prstGeom prst="rect">
-            <a:avLst/>
-          </a:prstGeom>
-          <a:noFill/>
-        </p:spPr>
-        <p:txBody>
-          <a:bodyPr wrap="square" rtlCol="0">
-            <a:spAutoFit/>
-          </a:bodyPr>
-          <a:lstStyle/>
-          <a:p>
-            <a:r>
-              <a:rPr lang="en-US" dirty="0"/>
-              <a:t>Primer 4</a:t>
-            </a:r>
-          </a:p>
-        </p:txBody>
-      </p:sp>
-      <p:sp>
-        <p:nvSpPr>
-          <p:cNvPr id="38" name="TextBox 37"/>
-          <p:cNvSpPr txBox="1"/>
-          <p:nvPr/>
-        </p:nvSpPr>
-        <p:spPr>
-          <a:xfrm>
-            <a:off x="9630185" y="4666155"/>
-            <a:ext cx="1312147" cy="369332"/>
-          </a:xfrm>
-          <a:prstGeom prst="rect">
-            <a:avLst/>
-          </a:prstGeom>
-          <a:noFill/>
-        </p:spPr>
-        <p:txBody>
-          <a:bodyPr wrap="square" rtlCol="0">
-            <a:spAutoFit/>
-          </a:bodyPr>
-          <a:lstStyle/>
-          <a:p>
-            <a:r>
-              <a:rPr lang="en-US" dirty="0"/>
-              <a:t>Read</a:t>
-            </a:r>
-          </a:p>
-        </p:txBody>
-      </p:sp>
+        </p:grpSpPr>
+        <p:sp>
+          <p:nvSpPr>
+            <p:cNvPr id="3" name="TextBox 2"/>
+            <p:cNvSpPr txBox="1"/>
+            <p:nvPr/>
+          </p:nvSpPr>
+          <p:spPr>
+            <a:xfrm>
+              <a:off x="838200" y="2669788"/>
+              <a:ext cx="1388194" cy="338554"/>
+            </a:xfrm>
+            <a:prstGeom prst="rect">
+              <a:avLst/>
+            </a:prstGeom>
+            <a:noFill/>
+          </p:spPr>
+          <p:txBody>
+            <a:bodyPr wrap="square" rtlCol="0">
+              <a:spAutoFit/>
+            </a:bodyPr>
+            <a:lstStyle/>
+            <a:p>
+              <a:r>
+                <a:rPr lang="en-US" sz="1600" dirty="0"/>
+                <a:t>ACTGACTG</a:t>
+              </a:r>
+            </a:p>
+          </p:txBody>
+        </p:sp>
+        <p:sp>
+          <p:nvSpPr>
+            <p:cNvPr id="4" name="TextBox 3"/>
+            <p:cNvSpPr txBox="1"/>
+            <p:nvPr/>
+          </p:nvSpPr>
+          <p:spPr>
+            <a:xfrm>
+              <a:off x="838200" y="3143850"/>
+              <a:ext cx="1388194" cy="338554"/>
+            </a:xfrm>
+            <a:prstGeom prst="rect">
+              <a:avLst/>
+            </a:prstGeom>
+            <a:noFill/>
+          </p:spPr>
+          <p:txBody>
+            <a:bodyPr wrap="square" rtlCol="0">
+              <a:spAutoFit/>
+            </a:bodyPr>
+            <a:lstStyle/>
+            <a:p>
+              <a:r>
+                <a:rPr lang="en-US" sz="1600" dirty="0"/>
+                <a:t>GTCAGCTA</a:t>
+              </a:r>
+            </a:p>
+          </p:txBody>
+        </p:sp>
+        <p:sp>
+          <p:nvSpPr>
+            <p:cNvPr id="5" name="TextBox 4"/>
+            <p:cNvSpPr txBox="1"/>
+            <p:nvPr/>
+          </p:nvSpPr>
+          <p:spPr>
+            <a:xfrm>
+              <a:off x="838200" y="3773187"/>
+              <a:ext cx="1388194" cy="338554"/>
+            </a:xfrm>
+            <a:prstGeom prst="rect">
+              <a:avLst/>
+            </a:prstGeom>
+            <a:noFill/>
+          </p:spPr>
+          <p:txBody>
+            <a:bodyPr wrap="square" rtlCol="0">
+              <a:spAutoFit/>
+            </a:bodyPr>
+            <a:lstStyle/>
+            <a:p>
+              <a:r>
+                <a:rPr lang="en-US" sz="1600" dirty="0"/>
+                <a:t>TCAGTCAG</a:t>
+              </a:r>
+            </a:p>
+          </p:txBody>
+        </p:sp>
+        <p:sp>
+          <p:nvSpPr>
+            <p:cNvPr id="6" name="TextBox 5"/>
+            <p:cNvSpPr txBox="1"/>
+            <p:nvPr/>
+          </p:nvSpPr>
+          <p:spPr>
+            <a:xfrm>
+              <a:off x="914247" y="4383230"/>
+              <a:ext cx="1312147" cy="338554"/>
+            </a:xfrm>
+            <a:prstGeom prst="rect">
+              <a:avLst/>
+            </a:prstGeom>
+            <a:noFill/>
+          </p:spPr>
+          <p:txBody>
+            <a:bodyPr wrap="square" rtlCol="0">
+              <a:spAutoFit/>
+            </a:bodyPr>
+            <a:lstStyle/>
+            <a:p>
+              <a:r>
+                <a:rPr lang="en-US" sz="1600" dirty="0"/>
+                <a:t>CGTACGTA</a:t>
+              </a:r>
+            </a:p>
+          </p:txBody>
+        </p:sp>
+        <p:sp>
+          <p:nvSpPr>
+            <p:cNvPr id="7" name="TextBox 6"/>
+            <p:cNvSpPr txBox="1"/>
+            <p:nvPr/>
+          </p:nvSpPr>
+          <p:spPr>
+            <a:xfrm>
+              <a:off x="3511345" y="3459235"/>
+              <a:ext cx="1388194" cy="338554"/>
+            </a:xfrm>
+            <a:prstGeom prst="rect">
+              <a:avLst/>
+            </a:prstGeom>
+            <a:noFill/>
+          </p:spPr>
+          <p:txBody>
+            <a:bodyPr wrap="square" rtlCol="0">
+              <a:spAutoFit/>
+            </a:bodyPr>
+            <a:lstStyle/>
+            <a:p>
+              <a:r>
+                <a:rPr lang="en-US" sz="1600" dirty="0">
+                  <a:solidFill>
+                    <a:srgbClr val="0070C0"/>
+                  </a:solidFill>
+                </a:rPr>
+                <a:t>ACTTACTG</a:t>
+              </a:r>
+            </a:p>
+          </p:txBody>
+        </p:sp>
+        <p:cxnSp>
+          <p:nvCxnSpPr>
+            <p:cNvPr id="9" name="Straight Connector 8"/>
+            <p:cNvCxnSpPr>
+              <a:cxnSpLocks/>
+              <a:stCxn id="7" idx="1"/>
+              <a:endCxn id="6" idx="3"/>
+            </p:cNvCxnSpPr>
+            <p:nvPr/>
+          </p:nvCxnSpPr>
+          <p:spPr>
+            <a:xfrm flipH="1">
+              <a:off x="2226394" y="3628512"/>
+              <a:ext cx="1284951" cy="923995"/>
+            </a:xfrm>
+            <a:prstGeom prst="line">
+              <a:avLst/>
+            </a:prstGeom>
+          </p:spPr>
+          <p:style>
+            <a:lnRef idx="1">
+              <a:schemeClr val="accent1"/>
+            </a:lnRef>
+            <a:fillRef idx="0">
+              <a:schemeClr val="accent1"/>
+            </a:fillRef>
+            <a:effectRef idx="0">
+              <a:schemeClr val="accent1"/>
+            </a:effectRef>
+            <a:fontRef idx="minor">
+              <a:schemeClr val="tx1"/>
+            </a:fontRef>
+          </p:style>
+        </p:cxnSp>
+        <p:cxnSp>
+          <p:nvCxnSpPr>
+            <p:cNvPr id="13" name="Straight Connector 12"/>
+            <p:cNvCxnSpPr>
+              <a:cxnSpLocks/>
+              <a:stCxn id="7" idx="1"/>
+              <a:endCxn id="5" idx="3"/>
+            </p:cNvCxnSpPr>
+            <p:nvPr/>
+          </p:nvCxnSpPr>
+          <p:spPr>
+            <a:xfrm flipH="1">
+              <a:off x="2226394" y="3628512"/>
+              <a:ext cx="1284951" cy="313952"/>
+            </a:xfrm>
+            <a:prstGeom prst="line">
+              <a:avLst/>
+            </a:prstGeom>
+          </p:spPr>
+          <p:style>
+            <a:lnRef idx="1">
+              <a:schemeClr val="accent1"/>
+            </a:lnRef>
+            <a:fillRef idx="0">
+              <a:schemeClr val="accent1"/>
+            </a:fillRef>
+            <a:effectRef idx="0">
+              <a:schemeClr val="accent1"/>
+            </a:effectRef>
+            <a:fontRef idx="minor">
+              <a:schemeClr val="tx1"/>
+            </a:fontRef>
+          </p:style>
+        </p:cxnSp>
+        <p:cxnSp>
+          <p:nvCxnSpPr>
+            <p:cNvPr id="16" name="Straight Connector 15"/>
+            <p:cNvCxnSpPr>
+              <a:cxnSpLocks/>
+              <a:stCxn id="4" idx="3"/>
+              <a:endCxn id="7" idx="1"/>
+            </p:cNvCxnSpPr>
+            <p:nvPr/>
+          </p:nvCxnSpPr>
+          <p:spPr>
+            <a:xfrm>
+              <a:off x="2226394" y="3313127"/>
+              <a:ext cx="1284951" cy="315385"/>
+            </a:xfrm>
+            <a:prstGeom prst="line">
+              <a:avLst/>
+            </a:prstGeom>
+          </p:spPr>
+          <p:style>
+            <a:lnRef idx="1">
+              <a:schemeClr val="accent1"/>
+            </a:lnRef>
+            <a:fillRef idx="0">
+              <a:schemeClr val="accent1"/>
+            </a:fillRef>
+            <a:effectRef idx="0">
+              <a:schemeClr val="accent1"/>
+            </a:effectRef>
+            <a:fontRef idx="minor">
+              <a:schemeClr val="tx1"/>
+            </a:fontRef>
+          </p:style>
+        </p:cxnSp>
+        <p:cxnSp>
+          <p:nvCxnSpPr>
+            <p:cNvPr id="19" name="Straight Connector 18"/>
+            <p:cNvCxnSpPr>
+              <a:cxnSpLocks/>
+              <a:stCxn id="7" idx="1"/>
+              <a:endCxn id="3" idx="3"/>
+            </p:cNvCxnSpPr>
+            <p:nvPr/>
+          </p:nvCxnSpPr>
+          <p:spPr>
+            <a:xfrm flipH="1" flipV="1">
+              <a:off x="2226394" y="2839065"/>
+              <a:ext cx="1284951" cy="789447"/>
+            </a:xfrm>
+            <a:prstGeom prst="line">
+              <a:avLst/>
+            </a:prstGeom>
+          </p:spPr>
+          <p:style>
+            <a:lnRef idx="1">
+              <a:schemeClr val="accent1"/>
+            </a:lnRef>
+            <a:fillRef idx="0">
+              <a:schemeClr val="accent1"/>
+            </a:fillRef>
+            <a:effectRef idx="0">
+              <a:schemeClr val="accent1"/>
+            </a:effectRef>
+            <a:fontRef idx="minor">
+              <a:schemeClr val="tx1"/>
+            </a:fontRef>
+          </p:style>
+        </p:cxnSp>
+        <p:sp>
+          <p:nvSpPr>
+            <p:cNvPr id="22" name="TextBox 21"/>
+            <p:cNvSpPr txBox="1"/>
+            <p:nvPr/>
+          </p:nvSpPr>
+          <p:spPr>
+            <a:xfrm>
+              <a:off x="1525844" y="2814464"/>
+              <a:ext cx="302342" cy="338554"/>
+            </a:xfrm>
+            <a:prstGeom prst="rect">
+              <a:avLst/>
+            </a:prstGeom>
+            <a:noFill/>
+          </p:spPr>
+          <p:txBody>
+            <a:bodyPr wrap="square" rtlCol="0">
+              <a:spAutoFit/>
+            </a:bodyPr>
+            <a:lstStyle/>
+            <a:p>
+              <a:r>
+                <a:rPr lang="en-US" sz="1600" dirty="0">
+                  <a:solidFill>
+                    <a:schemeClr val="accent1"/>
+                  </a:solidFill>
+                </a:rPr>
+                <a:t>1</a:t>
+              </a:r>
+            </a:p>
+          </p:txBody>
+        </p:sp>
+        <p:sp>
+          <p:nvSpPr>
+            <p:cNvPr id="23" name="TextBox 22"/>
+            <p:cNvSpPr txBox="1"/>
+            <p:nvPr/>
+          </p:nvSpPr>
+          <p:spPr>
+            <a:xfrm>
+              <a:off x="1525844" y="3336946"/>
+              <a:ext cx="302342" cy="338554"/>
+            </a:xfrm>
+            <a:prstGeom prst="rect">
+              <a:avLst/>
+            </a:prstGeom>
+            <a:noFill/>
+          </p:spPr>
+          <p:txBody>
+            <a:bodyPr wrap="square" rtlCol="0">
+              <a:spAutoFit/>
+            </a:bodyPr>
+            <a:lstStyle/>
+            <a:p>
+              <a:r>
+                <a:rPr lang="en-US" sz="1600" dirty="0">
+                  <a:solidFill>
+                    <a:srgbClr val="FF0000"/>
+                  </a:solidFill>
+                </a:rPr>
+                <a:t>6</a:t>
+              </a:r>
+            </a:p>
+          </p:txBody>
+        </p:sp>
+        <p:sp>
+          <p:nvSpPr>
+            <p:cNvPr id="24" name="TextBox 23"/>
+            <p:cNvSpPr txBox="1"/>
+            <p:nvPr/>
+          </p:nvSpPr>
+          <p:spPr>
+            <a:xfrm>
+              <a:off x="1525844" y="4608745"/>
+              <a:ext cx="302342" cy="338554"/>
+            </a:xfrm>
+            <a:prstGeom prst="rect">
+              <a:avLst/>
+            </a:prstGeom>
+            <a:noFill/>
+          </p:spPr>
+          <p:txBody>
+            <a:bodyPr wrap="square" rtlCol="0">
+              <a:spAutoFit/>
+            </a:bodyPr>
+            <a:lstStyle/>
+            <a:p>
+              <a:r>
+                <a:rPr lang="en-US" sz="1600" dirty="0">
+                  <a:solidFill>
+                    <a:srgbClr val="FF0000"/>
+                  </a:solidFill>
+                </a:rPr>
+                <a:t>6</a:t>
+              </a:r>
+              <a:endParaRPr lang="en-US" sz="900" dirty="0">
+                <a:solidFill>
+                  <a:srgbClr val="FF0000"/>
+                </a:solidFill>
+              </a:endParaRPr>
+            </a:p>
+          </p:txBody>
+        </p:sp>
+        <p:sp>
+          <p:nvSpPr>
+            <p:cNvPr id="25" name="TextBox 24"/>
+            <p:cNvSpPr txBox="1"/>
+            <p:nvPr/>
+          </p:nvSpPr>
+          <p:spPr>
+            <a:xfrm flipH="1">
+              <a:off x="1520976" y="3980992"/>
+              <a:ext cx="251905" cy="338554"/>
+            </a:xfrm>
+            <a:prstGeom prst="rect">
+              <a:avLst/>
+            </a:prstGeom>
+            <a:noFill/>
+          </p:spPr>
+          <p:txBody>
+            <a:bodyPr wrap="square" rtlCol="0">
+              <a:spAutoFit/>
+            </a:bodyPr>
+            <a:lstStyle/>
+            <a:p>
+              <a:r>
+                <a:rPr lang="en-US" sz="1600" dirty="0">
+                  <a:solidFill>
+                    <a:srgbClr val="FF0000"/>
+                  </a:solidFill>
+                </a:rPr>
+                <a:t>5</a:t>
+              </a:r>
+            </a:p>
+          </p:txBody>
+        </p:sp>
+        <p:sp>
+          <p:nvSpPr>
+            <p:cNvPr id="27" name="TextBox 26"/>
+            <p:cNvSpPr txBox="1"/>
+            <p:nvPr/>
+          </p:nvSpPr>
+          <p:spPr>
+            <a:xfrm>
+              <a:off x="1018867" y="1845167"/>
+              <a:ext cx="2529349" cy="400110"/>
+            </a:xfrm>
+            <a:prstGeom prst="rect">
+              <a:avLst/>
+            </a:prstGeom>
+            <a:noFill/>
+          </p:spPr>
+          <p:txBody>
+            <a:bodyPr wrap="square" rtlCol="0">
+              <a:spAutoFit/>
+            </a:bodyPr>
+            <a:lstStyle/>
+            <a:p>
+              <a:r>
+                <a:rPr lang="en-US" sz="2000" b="1" dirty="0"/>
+                <a:t>Barcode Comparison</a:t>
+              </a:r>
+            </a:p>
+          </p:txBody>
+        </p:sp>
+        <p:sp>
+          <p:nvSpPr>
+            <p:cNvPr id="28" name="TextBox 27"/>
+            <p:cNvSpPr txBox="1"/>
+            <p:nvPr/>
+          </p:nvSpPr>
+          <p:spPr>
+            <a:xfrm>
+              <a:off x="5207408" y="1840315"/>
+              <a:ext cx="2423112" cy="400110"/>
+            </a:xfrm>
+            <a:prstGeom prst="rect">
+              <a:avLst/>
+            </a:prstGeom>
+            <a:noFill/>
+          </p:spPr>
+          <p:txBody>
+            <a:bodyPr wrap="square" rtlCol="0">
+              <a:spAutoFit/>
+            </a:bodyPr>
+            <a:lstStyle/>
+            <a:p>
+              <a:r>
+                <a:rPr lang="en-US" sz="2000" b="1" dirty="0"/>
+                <a:t>Primer Comparison</a:t>
+              </a:r>
+              <a:endParaRPr lang="en-US" sz="1600" b="1" dirty="0"/>
+            </a:p>
+          </p:txBody>
+        </p:sp>
+        <p:sp>
+          <p:nvSpPr>
+            <p:cNvPr id="29" name="Rectangle 28"/>
+            <p:cNvSpPr/>
+            <p:nvPr/>
+          </p:nvSpPr>
+          <p:spPr>
+            <a:xfrm>
+              <a:off x="4899540" y="2480461"/>
+              <a:ext cx="4103784" cy="338554"/>
+            </a:xfrm>
+            <a:prstGeom prst="rect">
+              <a:avLst/>
+            </a:prstGeom>
+          </p:spPr>
+          <p:txBody>
+            <a:bodyPr wrap="square">
+              <a:spAutoFit/>
+            </a:bodyPr>
+            <a:lstStyle/>
+            <a:p>
+              <a:r>
+                <a:rPr lang="en-US" sz="1600" dirty="0"/>
+                <a:t>GGCTTGGTCATTTAGAGGAA</a:t>
+              </a:r>
+              <a:r>
+                <a:rPr lang="en-US" sz="1600" dirty="0">
+                  <a:solidFill>
+                    <a:schemeClr val="accent6">
+                      <a:lumMod val="75000"/>
+                    </a:schemeClr>
+                  </a:solidFill>
+                </a:rPr>
+                <a:t>GTAA</a:t>
+              </a:r>
+            </a:p>
+          </p:txBody>
+        </p:sp>
+        <p:sp>
+          <p:nvSpPr>
+            <p:cNvPr id="30" name="TextBox 29"/>
+            <p:cNvSpPr txBox="1"/>
+            <p:nvPr/>
+          </p:nvSpPr>
+          <p:spPr>
+            <a:xfrm>
+              <a:off x="4899539" y="3551980"/>
+              <a:ext cx="4730646" cy="338554"/>
+            </a:xfrm>
+            <a:prstGeom prst="rect">
+              <a:avLst/>
+            </a:prstGeom>
+            <a:noFill/>
+          </p:spPr>
+          <p:txBody>
+            <a:bodyPr wrap="square" rtlCol="0">
+              <a:spAutoFit/>
+            </a:bodyPr>
+            <a:lstStyle/>
+            <a:p>
+              <a:r>
+                <a:rPr lang="en-US" sz="1600" dirty="0"/>
+                <a:t>CGGCTTGGTCATTTAGAGGAA</a:t>
+              </a:r>
+              <a:r>
+                <a:rPr lang="en-US" sz="1600" dirty="0">
+                  <a:solidFill>
+                    <a:schemeClr val="accent6">
+                      <a:lumMod val="75000"/>
+                    </a:schemeClr>
+                  </a:solidFill>
+                </a:rPr>
+                <a:t>GTAA</a:t>
+              </a:r>
+            </a:p>
+          </p:txBody>
+        </p:sp>
+        <p:sp>
+          <p:nvSpPr>
+            <p:cNvPr id="31" name="Rectangle 30"/>
+            <p:cNvSpPr/>
+            <p:nvPr/>
+          </p:nvSpPr>
+          <p:spPr>
+            <a:xfrm>
+              <a:off x="4899539" y="4123598"/>
+              <a:ext cx="4730646" cy="338554"/>
+            </a:xfrm>
+            <a:prstGeom prst="rect">
+              <a:avLst/>
+            </a:prstGeom>
+          </p:spPr>
+          <p:txBody>
+            <a:bodyPr wrap="square">
+              <a:spAutoFit/>
+            </a:bodyPr>
+            <a:lstStyle/>
+            <a:p>
+              <a:r>
+                <a:rPr lang="en-US" sz="1600" dirty="0"/>
+                <a:t>ACGGCTTGGTCATTTAGAGGAA</a:t>
+              </a:r>
+              <a:r>
+                <a:rPr lang="en-US" sz="1600" dirty="0">
+                  <a:solidFill>
+                    <a:schemeClr val="accent6">
+                      <a:lumMod val="75000"/>
+                    </a:schemeClr>
+                  </a:solidFill>
+                </a:rPr>
+                <a:t>GTAA</a:t>
+              </a:r>
+            </a:p>
+          </p:txBody>
+        </p:sp>
+        <p:sp>
+          <p:nvSpPr>
+            <p:cNvPr id="32" name="Rectangle 31"/>
+            <p:cNvSpPr/>
+            <p:nvPr/>
+          </p:nvSpPr>
+          <p:spPr>
+            <a:xfrm>
+              <a:off x="4899540" y="2991678"/>
+              <a:ext cx="4420306" cy="338554"/>
+            </a:xfrm>
+            <a:prstGeom prst="rect">
+              <a:avLst/>
+            </a:prstGeom>
+          </p:spPr>
+          <p:txBody>
+            <a:bodyPr wrap="square">
+              <a:spAutoFit/>
+            </a:bodyPr>
+            <a:lstStyle/>
+            <a:p>
+              <a:r>
+                <a:rPr lang="en-US" sz="1600" dirty="0"/>
+                <a:t>TACGGCTTGGTCATTTAGAGGAA</a:t>
+              </a:r>
+              <a:r>
+                <a:rPr lang="en-US" sz="1600" dirty="0">
+                  <a:solidFill>
+                    <a:schemeClr val="accent6">
+                      <a:lumMod val="75000"/>
+                    </a:schemeClr>
+                  </a:solidFill>
+                </a:rPr>
+                <a:t>GTAA</a:t>
+              </a:r>
+            </a:p>
+          </p:txBody>
+        </p:sp>
+        <p:sp>
+          <p:nvSpPr>
+            <p:cNvPr id="33" name="Rectangle 32"/>
+            <p:cNvSpPr/>
+            <p:nvPr/>
+          </p:nvSpPr>
+          <p:spPr>
+            <a:xfrm>
+              <a:off x="4899540" y="4679261"/>
+              <a:ext cx="5557446" cy="338554"/>
+            </a:xfrm>
+            <a:prstGeom prst="rect">
+              <a:avLst/>
+            </a:prstGeom>
+          </p:spPr>
+          <p:txBody>
+            <a:bodyPr wrap="square">
+              <a:spAutoFit/>
+            </a:bodyPr>
+            <a:lstStyle/>
+            <a:p>
+              <a:r>
+                <a:rPr lang="en-US" sz="1600" dirty="0"/>
+                <a:t>TACGG</a:t>
+              </a:r>
+              <a:r>
+                <a:rPr lang="en-US" sz="1600" dirty="0">
+                  <a:solidFill>
+                    <a:srgbClr val="FF0000"/>
+                  </a:solidFill>
+                </a:rPr>
+                <a:t>A</a:t>
+              </a:r>
+              <a:r>
+                <a:rPr lang="en-US" sz="1600" dirty="0"/>
+                <a:t>CTTG</a:t>
+              </a:r>
+              <a:r>
+                <a:rPr lang="en-US" sz="1600" dirty="0">
+                  <a:solidFill>
+                    <a:srgbClr val="FF0000"/>
+                  </a:solidFill>
+                </a:rPr>
+                <a:t>_</a:t>
+              </a:r>
+              <a:r>
+                <a:rPr lang="en-US" sz="1600" dirty="0"/>
+                <a:t>TCATTTA</a:t>
+              </a:r>
+              <a:r>
+                <a:rPr lang="en-US" sz="1600" dirty="0">
+                  <a:solidFill>
+                    <a:srgbClr val="FF0000"/>
+                  </a:solidFill>
+                </a:rPr>
+                <a:t>C</a:t>
+              </a:r>
+              <a:r>
+                <a:rPr lang="en-US" sz="1600" dirty="0"/>
+                <a:t>AGGAA</a:t>
+              </a:r>
+              <a:r>
+                <a:rPr lang="en-US" sz="1600" dirty="0">
+                  <a:solidFill>
+                    <a:schemeClr val="accent5"/>
+                  </a:solidFill>
+                </a:rPr>
+                <a:t>GTAA</a:t>
+              </a:r>
+              <a:r>
+                <a:rPr lang="en-US" sz="1600" dirty="0">
+                  <a:solidFill>
+                    <a:srgbClr val="0070C0"/>
+                  </a:solidFill>
+                </a:rPr>
+                <a:t>AAGTCGTAA</a:t>
+              </a:r>
+            </a:p>
+          </p:txBody>
+        </p:sp>
+        <p:sp>
+          <p:nvSpPr>
+            <p:cNvPr id="8" name="TextBox 7"/>
+            <p:cNvSpPr txBox="1"/>
+            <p:nvPr/>
+          </p:nvSpPr>
+          <p:spPr>
+            <a:xfrm>
+              <a:off x="9770863" y="2497539"/>
+              <a:ext cx="1312147" cy="369332"/>
+            </a:xfrm>
+            <a:prstGeom prst="rect">
+              <a:avLst/>
+            </a:prstGeom>
+            <a:noFill/>
+          </p:spPr>
+          <p:txBody>
+            <a:bodyPr wrap="square" rtlCol="0">
+              <a:spAutoFit/>
+            </a:bodyPr>
+            <a:lstStyle/>
+            <a:p>
+              <a:r>
+                <a:rPr lang="en-US" dirty="0"/>
+                <a:t>Primer 1</a:t>
+              </a:r>
+            </a:p>
+          </p:txBody>
+        </p:sp>
+        <p:sp>
+          <p:nvSpPr>
+            <p:cNvPr id="35" name="TextBox 34"/>
+            <p:cNvSpPr txBox="1"/>
+            <p:nvPr/>
+          </p:nvSpPr>
+          <p:spPr>
+            <a:xfrm>
+              <a:off x="9782585" y="3000256"/>
+              <a:ext cx="1312147" cy="369332"/>
+            </a:xfrm>
+            <a:prstGeom prst="rect">
+              <a:avLst/>
+            </a:prstGeom>
+            <a:noFill/>
+          </p:spPr>
+          <p:txBody>
+            <a:bodyPr wrap="square" rtlCol="0">
+              <a:spAutoFit/>
+            </a:bodyPr>
+            <a:lstStyle/>
+            <a:p>
+              <a:r>
+                <a:rPr lang="en-US" dirty="0"/>
+                <a:t>Primer 2</a:t>
+              </a:r>
+            </a:p>
+          </p:txBody>
+        </p:sp>
+        <p:sp>
+          <p:nvSpPr>
+            <p:cNvPr id="36" name="TextBox 35"/>
+            <p:cNvSpPr txBox="1"/>
+            <p:nvPr/>
+          </p:nvSpPr>
+          <p:spPr>
+            <a:xfrm>
+              <a:off x="9770863" y="3558687"/>
+              <a:ext cx="1312147" cy="369332"/>
+            </a:xfrm>
+            <a:prstGeom prst="rect">
+              <a:avLst/>
+            </a:prstGeom>
+            <a:noFill/>
+          </p:spPr>
+          <p:txBody>
+            <a:bodyPr wrap="square" rtlCol="0">
+              <a:spAutoFit/>
+            </a:bodyPr>
+            <a:lstStyle/>
+            <a:p>
+              <a:r>
+                <a:rPr lang="en-US" dirty="0"/>
+                <a:t>Primer 3</a:t>
+              </a:r>
+            </a:p>
+          </p:txBody>
+        </p:sp>
+        <p:sp>
+          <p:nvSpPr>
+            <p:cNvPr id="37" name="TextBox 36"/>
+            <p:cNvSpPr txBox="1"/>
+            <p:nvPr/>
+          </p:nvSpPr>
+          <p:spPr>
+            <a:xfrm>
+              <a:off x="9782585" y="4131163"/>
+              <a:ext cx="1312147" cy="369332"/>
+            </a:xfrm>
+            <a:prstGeom prst="rect">
+              <a:avLst/>
+            </a:prstGeom>
+            <a:noFill/>
+          </p:spPr>
+          <p:txBody>
+            <a:bodyPr wrap="square" rtlCol="0">
+              <a:spAutoFit/>
+            </a:bodyPr>
+            <a:lstStyle/>
+            <a:p>
+              <a:r>
+                <a:rPr lang="en-US" dirty="0"/>
+                <a:t>Primer 4</a:t>
+              </a:r>
+            </a:p>
+          </p:txBody>
+        </p:sp>
+        <p:sp>
+          <p:nvSpPr>
+            <p:cNvPr id="38" name="TextBox 37"/>
+            <p:cNvSpPr txBox="1"/>
+            <p:nvPr/>
+          </p:nvSpPr>
+          <p:spPr>
+            <a:xfrm>
+              <a:off x="9782585" y="4689594"/>
+              <a:ext cx="1312147" cy="369332"/>
+            </a:xfrm>
+            <a:prstGeom prst="rect">
+              <a:avLst/>
+            </a:prstGeom>
+            <a:noFill/>
+          </p:spPr>
+          <p:txBody>
+            <a:bodyPr wrap="square" rtlCol="0">
+              <a:spAutoFit/>
+            </a:bodyPr>
+            <a:lstStyle/>
+            <a:p>
+              <a:r>
+                <a:rPr lang="en-US" dirty="0"/>
+                <a:t>Read</a:t>
+              </a:r>
+            </a:p>
+          </p:txBody>
+        </p:sp>
+      </p:grpSp>
     </p:spTree>
     <p:extLst>
       <p:ext uri="{BB962C8B-B14F-4D97-AF65-F5344CB8AC3E}">
@@ -20134,7 +20149,7 @@
         </p:nvSpPr>
         <p:spPr>
           <a:xfrm>
-            <a:off x="1668379" y="1979446"/>
+            <a:off x="2617948" y="2077372"/>
             <a:ext cx="8422105" cy="1569660"/>
           </a:xfrm>
           <a:prstGeom prst="rect">
@@ -20443,7 +20458,7 @@
         </p:nvSpPr>
         <p:spPr>
           <a:xfrm>
-            <a:off x="1367256" y="1572126"/>
+            <a:off x="1449318" y="1572126"/>
             <a:ext cx="10343481" cy="3046988"/>
           </a:xfrm>
           <a:prstGeom prst="rect">

--- a/dbcAmplicons/dbcAmplicons_Bioinformatics.pptx
+++ b/dbcAmplicons/dbcAmplicons_Bioinformatics.pptx
@@ -6488,9 +6488,9 @@
         <p:grpSpPr>
           <a:xfrm>
             <a:off x="838200" y="1840315"/>
-            <a:ext cx="10256532" cy="3218611"/>
+            <a:ext cx="10397210" cy="3188275"/>
             <a:chOff x="838200" y="1840315"/>
-            <a:chExt cx="10256532" cy="3218611"/>
+            <a:chExt cx="10397210" cy="3188275"/>
           </a:xfrm>
         </p:grpSpPr>
         <p:sp>
@@ -6786,7 +6786,7 @@
           </p:nvSpPr>
           <p:spPr>
             <a:xfrm>
-              <a:off x="1525844" y="2814464"/>
+              <a:off x="1525844" y="2861356"/>
               <a:ext cx="302342" cy="338554"/>
             </a:xfrm>
             <a:prstGeom prst="rect">
@@ -6819,7 +6819,7 @@
           </p:nvSpPr>
           <p:spPr>
             <a:xfrm>
-              <a:off x="1525844" y="3336946"/>
+              <a:off x="1525844" y="3372115"/>
               <a:ext cx="302342" cy="338554"/>
             </a:xfrm>
             <a:prstGeom prst="rect">
@@ -6852,7 +6852,7 @@
           </p:nvSpPr>
           <p:spPr>
             <a:xfrm>
-              <a:off x="1525844" y="4608745"/>
+              <a:off x="1525844" y="4632191"/>
               <a:ext cx="302342" cy="338554"/>
             </a:xfrm>
             <a:prstGeom prst="rect">
@@ -6890,7 +6890,7 @@
           </p:nvSpPr>
           <p:spPr>
             <a:xfrm flipH="1">
-              <a:off x="1520976" y="3980992"/>
+              <a:off x="1520976" y="4016161"/>
               <a:ext cx="251905" cy="338554"/>
             </a:xfrm>
             <a:prstGeom prst="rect">
@@ -6923,8 +6923,8 @@
           </p:nvSpPr>
           <p:spPr>
             <a:xfrm>
-              <a:off x="1018867" y="1845167"/>
-              <a:ext cx="2529349" cy="400110"/>
+              <a:off x="838201" y="1845167"/>
+              <a:ext cx="3335214" cy="400110"/>
             </a:xfrm>
             <a:prstGeom prst="rect">
               <a:avLst/>
@@ -6952,8 +6952,8 @@
           </p:nvSpPr>
           <p:spPr>
             <a:xfrm>
-              <a:off x="5207408" y="1840315"/>
-              <a:ext cx="2423112" cy="400110"/>
+              <a:off x="4899539" y="1840315"/>
+              <a:ext cx="3857599" cy="400110"/>
             </a:xfrm>
             <a:prstGeom prst="rect">
               <a:avLst/>
@@ -6982,7 +6982,7 @@
           </p:nvSpPr>
           <p:spPr>
             <a:xfrm>
-              <a:off x="4899540" y="2480461"/>
+              <a:off x="4770586" y="2496592"/>
               <a:ext cx="4103784" cy="338554"/>
             </a:xfrm>
             <a:prstGeom prst="rect">
@@ -7020,7 +7020,7 @@
           </p:nvSpPr>
           <p:spPr>
             <a:xfrm>
-              <a:off x="4899539" y="3551980"/>
+              <a:off x="4770586" y="3576210"/>
               <a:ext cx="4730646" cy="338554"/>
             </a:xfrm>
             <a:prstGeom prst="rect">
@@ -7059,7 +7059,7 @@
           </p:nvSpPr>
           <p:spPr>
             <a:xfrm>
-              <a:off x="4899539" y="4123598"/>
+              <a:off x="4770586" y="4156758"/>
               <a:ext cx="4730646" cy="338554"/>
             </a:xfrm>
             <a:prstGeom prst="rect">
@@ -7097,7 +7097,7 @@
           </p:nvSpPr>
           <p:spPr>
             <a:xfrm>
-              <a:off x="4899540" y="2991678"/>
+              <a:off x="4770586" y="3003706"/>
               <a:ext cx="4420306" cy="338554"/>
             </a:xfrm>
             <a:prstGeom prst="rect">
@@ -7135,7 +7135,7 @@
           </p:nvSpPr>
           <p:spPr>
             <a:xfrm>
-              <a:off x="4899540" y="4679261"/>
+              <a:off x="4770586" y="4675295"/>
               <a:ext cx="5557446" cy="338554"/>
             </a:xfrm>
             <a:prstGeom prst="rect">
@@ -7215,7 +7215,7 @@
           </p:nvSpPr>
           <p:spPr>
             <a:xfrm>
-              <a:off x="9770863" y="2497539"/>
+              <a:off x="9923263" y="2451219"/>
               <a:ext cx="1312147" cy="369332"/>
             </a:xfrm>
             <a:prstGeom prst="rect">
@@ -7244,7 +7244,7 @@
           </p:nvSpPr>
           <p:spPr>
             <a:xfrm>
-              <a:off x="9782585" y="3000256"/>
+              <a:off x="9923262" y="3011506"/>
               <a:ext cx="1312147" cy="369332"/>
             </a:xfrm>
             <a:prstGeom prst="rect">
@@ -7273,7 +7273,7 @@
           </p:nvSpPr>
           <p:spPr>
             <a:xfrm>
-              <a:off x="9770863" y="3558687"/>
+              <a:off x="9923261" y="3569937"/>
               <a:ext cx="1312147" cy="369332"/>
             </a:xfrm>
             <a:prstGeom prst="rect">
@@ -7302,7 +7302,7 @@
           </p:nvSpPr>
           <p:spPr>
             <a:xfrm>
-              <a:off x="9782585" y="4131163"/>
+              <a:off x="9923260" y="4141369"/>
               <a:ext cx="1312147" cy="369332"/>
             </a:xfrm>
             <a:prstGeom prst="rect">
@@ -7331,7 +7331,7 @@
           </p:nvSpPr>
           <p:spPr>
             <a:xfrm>
-              <a:off x="9782585" y="4689594"/>
+              <a:off x="9923260" y="4659258"/>
               <a:ext cx="1312147" cy="369332"/>
             </a:xfrm>
             <a:prstGeom prst="rect">
@@ -11686,66 +11686,87 @@
           </a:p>
         </p:txBody>
       </p:sp>
-      <p:pic>
-        <p:nvPicPr>
-          <p:cNvPr id="3" name="Picture 2"/>
-          <p:cNvPicPr>
-            <a:picLocks noChangeAspect="1"/>
-          </p:cNvPicPr>
-          <p:nvPr/>
-        </p:nvPicPr>
-        <p:blipFill>
-          <a:blip r:embed="rId2">
+      <p:grpSp>
+        <p:nvGrpSpPr>
+          <p:cNvPr id="4" name="Group 3">
             <a:extLst>
-              <a:ext uri="{28A0092B-C50C-407E-A947-70E740481C1C}">
-                <a14:useLocalDpi xmlns:a14="http://schemas.microsoft.com/office/drawing/2010/main" val="0"/>
+              <a:ext uri="{FF2B5EF4-FFF2-40B4-BE49-F238E27FC236}">
+                <a16:creationId xmlns:a16="http://schemas.microsoft.com/office/drawing/2014/main" id="{688A3C7D-81FC-F246-9EBA-D9022092817D}"/>
               </a:ext>
             </a:extLst>
-          </a:blip>
-          <a:stretch>
-            <a:fillRect/>
-          </a:stretch>
-        </p:blipFill>
-        <p:spPr>
+          </p:cNvPr>
+          <p:cNvGrpSpPr/>
+          <p:nvPr/>
+        </p:nvGrpSpPr>
+        <p:grpSpPr>
           <a:xfrm>
-            <a:off x="2644877" y="1778637"/>
-            <a:ext cx="2270023" cy="4654118"/>
+            <a:off x="2644877" y="1274151"/>
+            <a:ext cx="7577646" cy="5218723"/>
+            <a:chOff x="2644877" y="1274151"/>
+            <a:chExt cx="7577646" cy="5218723"/>
           </a:xfrm>
-          <a:prstGeom prst="rect">
-            <a:avLst/>
-          </a:prstGeom>
-        </p:spPr>
-      </p:pic>
-      <p:pic>
-        <p:nvPicPr>
-          <p:cNvPr id="5" name="Picture 4"/>
-          <p:cNvPicPr>
-            <a:picLocks noChangeAspect="1"/>
-          </p:cNvPicPr>
-          <p:nvPr/>
-        </p:nvPicPr>
-        <p:blipFill>
-          <a:blip r:embed="rId3">
-            <a:extLst>
-              <a:ext uri="{28A0092B-C50C-407E-A947-70E740481C1C}">
-                <a14:useLocalDpi xmlns:a14="http://schemas.microsoft.com/office/drawing/2010/main" val="0"/>
-              </a:ext>
-            </a:extLst>
-          </a:blip>
-          <a:stretch>
-            <a:fillRect/>
-          </a:stretch>
-        </p:blipFill>
-        <p:spPr>
-          <a:xfrm>
-            <a:off x="5308600" y="1860755"/>
-            <a:ext cx="4572000" cy="4572000"/>
-          </a:xfrm>
-          <a:prstGeom prst="rect">
-            <a:avLst/>
-          </a:prstGeom>
-        </p:spPr>
-      </p:pic>
+        </p:grpSpPr>
+        <p:pic>
+          <p:nvPicPr>
+            <p:cNvPr id="3" name="Picture 2"/>
+            <p:cNvPicPr>
+              <a:picLocks noChangeAspect="1"/>
+            </p:cNvPicPr>
+            <p:nvPr/>
+          </p:nvPicPr>
+          <p:blipFill>
+            <a:blip r:embed="rId2">
+              <a:extLst>
+                <a:ext uri="{28A0092B-C50C-407E-A947-70E740481C1C}">
+                  <a14:useLocalDpi xmlns:a14="http://schemas.microsoft.com/office/drawing/2010/main" val="0"/>
+                </a:ext>
+              </a:extLst>
+            </a:blip>
+            <a:stretch>
+              <a:fillRect/>
+            </a:stretch>
+          </p:blipFill>
+          <p:spPr>
+            <a:xfrm>
+              <a:off x="2644877" y="1778637"/>
+              <a:ext cx="2270023" cy="4654118"/>
+            </a:xfrm>
+            <a:prstGeom prst="rect">
+              <a:avLst/>
+            </a:prstGeom>
+          </p:spPr>
+        </p:pic>
+        <p:pic>
+          <p:nvPicPr>
+            <p:cNvPr id="5" name="Picture 4"/>
+            <p:cNvPicPr>
+              <a:picLocks noChangeAspect="1"/>
+            </p:cNvPicPr>
+            <p:nvPr/>
+          </p:nvPicPr>
+          <p:blipFill>
+            <a:blip r:embed="rId3">
+              <a:extLst>
+                <a:ext uri="{28A0092B-C50C-407E-A947-70E740481C1C}">
+                  <a14:useLocalDpi xmlns:a14="http://schemas.microsoft.com/office/drawing/2010/main" val="0"/>
+                </a:ext>
+              </a:extLst>
+            </a:blip>
+            <a:stretch>
+              <a:fillRect/>
+            </a:stretch>
+          </p:blipFill>
+          <p:spPr>
+            <a:xfrm>
+              <a:off x="5003800" y="1274151"/>
+              <a:ext cx="5218723" cy="5218723"/>
+            </a:xfrm>
+            <a:prstGeom prst="rect">
+              <a:avLst/>
+            </a:prstGeom>
+          </p:spPr>
+        </p:pic>
+      </p:grpSp>
     </p:spTree>
     <p:extLst>
       <p:ext uri="{BB962C8B-B14F-4D97-AF65-F5344CB8AC3E}">
@@ -12921,7 +12942,7 @@
         </p:blipFill>
         <p:spPr bwMode="auto">
           <a:xfrm>
-            <a:off x="9151233" y="6071244"/>
+            <a:off x="8799543" y="5954014"/>
             <a:ext cx="2119133" cy="454892"/>
           </a:xfrm>
           <a:prstGeom prst="rect">
@@ -12960,8 +12981,8 @@
         </p:blipFill>
         <p:spPr>
           <a:xfrm>
-            <a:off x="1848561" y="1264596"/>
-            <a:ext cx="9092782" cy="4595250"/>
+            <a:off x="1143262" y="1264596"/>
+            <a:ext cx="9798081" cy="4595250"/>
           </a:xfrm>
           <a:prstGeom prst="rect">
             <a:avLst/>
@@ -13944,12 +13965,12 @@
                     <a:p>
                       <a:pPr algn="r" fontAlgn="b"/>
                       <a:r>
-                        <a:rPr lang="en-US" sz="1200" u="none" strike="noStrike">
+                        <a:rPr lang="en-US" sz="1200" u="none" strike="noStrike" dirty="0">
                           <a:effectLst/>
                         </a:rPr>
                         <a:t>1</a:t>
                       </a:r>
-                      <a:endParaRPr lang="en-US" sz="1200" b="0" i="0" u="none" strike="noStrike">
+                      <a:endParaRPr lang="en-US" sz="1200" b="0" i="0" u="none" strike="noStrike" dirty="0">
                         <a:solidFill>
                           <a:srgbClr val="000000"/>
                         </a:solidFill>
